--- a/TrabalhoFinal_slides.pptx
+++ b/TrabalhoFinal_slides.pptx
@@ -110,6 +110,11 @@
       </a:defRPr>
     </a:lvl9pPr>
   </p:defaultTextStyle>
+  <p:extLst>
+    <p:ext uri="{EFAFB233-063F-42B5-8137-9DF3F51BA10A}">
+      <p15:sldGuideLst xmlns:p15="http://schemas.microsoft.com/office/powerpoint/2012/main"/>
+    </p:ext>
+  </p:extLst>
 </p:presentation>
 </file>
 
@@ -879,11 +884,11 @@
   <p:clrMapOvr>
     <a:masterClrMapping/>
   </p:clrMapOvr>
-  <mc:AlternateContent xmlns:mc="http://schemas.openxmlformats.org/markup-compatibility/2006">
-    <mc:Choice xmlns:p14="http://schemas.microsoft.com/office/powerpoint/2010/main" Requires="p14">
+  <mc:AlternateContent xmlns:mc="http://schemas.openxmlformats.org/markup-compatibility/2006" xmlns:p14="http://schemas.microsoft.com/office/powerpoint/2010/main">
+    <mc:Choice Requires="p14">
       <p:transition spd="slow" p14:dur="2000"/>
     </mc:Choice>
-    <mc:Fallback>
+    <mc:Fallback xmlns="">
       <p:transition spd="slow"/>
     </mc:Fallback>
   </mc:AlternateContent>
@@ -1072,11 +1077,11 @@
   <p:clrMapOvr>
     <a:masterClrMapping/>
   </p:clrMapOvr>
-  <mc:AlternateContent xmlns:mc="http://schemas.openxmlformats.org/markup-compatibility/2006">
-    <mc:Choice xmlns:p14="http://schemas.microsoft.com/office/powerpoint/2010/main" Requires="p14">
+  <mc:AlternateContent xmlns:mc="http://schemas.openxmlformats.org/markup-compatibility/2006" xmlns:p14="http://schemas.microsoft.com/office/powerpoint/2010/main">
+    <mc:Choice Requires="p14">
       <p:transition spd="slow" p14:dur="2000"/>
     </mc:Choice>
-    <mc:Fallback>
+    <mc:Fallback xmlns="">
       <p:transition spd="slow"/>
     </mc:Fallback>
   </mc:AlternateContent>
@@ -1226,11 +1231,11 @@
   <p:clrMapOvr>
     <a:masterClrMapping/>
   </p:clrMapOvr>
-  <mc:AlternateContent xmlns:mc="http://schemas.openxmlformats.org/markup-compatibility/2006">
-    <mc:Choice xmlns:p14="http://schemas.microsoft.com/office/powerpoint/2010/main" Requires="p14">
+  <mc:AlternateContent xmlns:mc="http://schemas.openxmlformats.org/markup-compatibility/2006" xmlns:p14="http://schemas.microsoft.com/office/powerpoint/2010/main">
+    <mc:Choice Requires="p14">
       <p:transition spd="slow" p14:dur="2000"/>
     </mc:Choice>
-    <mc:Fallback>
+    <mc:Fallback xmlns="">
       <p:transition spd="slow"/>
     </mc:Fallback>
   </mc:AlternateContent>
@@ -1505,11 +1510,11 @@
   <p:clrMapOvr>
     <a:masterClrMapping/>
   </p:clrMapOvr>
-  <mc:AlternateContent xmlns:mc="http://schemas.openxmlformats.org/markup-compatibility/2006">
-    <mc:Choice xmlns:p14="http://schemas.microsoft.com/office/powerpoint/2010/main" Requires="p14">
+  <mc:AlternateContent xmlns:mc="http://schemas.openxmlformats.org/markup-compatibility/2006" xmlns:p14="http://schemas.microsoft.com/office/powerpoint/2010/main">
+    <mc:Choice Requires="p14">
       <p:transition spd="slow" p14:dur="2000"/>
     </mc:Choice>
-    <mc:Fallback>
+    <mc:Fallback xmlns="">
       <p:transition spd="slow"/>
     </mc:Fallback>
   </mc:AlternateContent>
@@ -1659,11 +1664,11 @@
   <p:clrMapOvr>
     <a:masterClrMapping/>
   </p:clrMapOvr>
-  <mc:AlternateContent xmlns:mc="http://schemas.openxmlformats.org/markup-compatibility/2006">
-    <mc:Choice xmlns:p14="http://schemas.microsoft.com/office/powerpoint/2010/main" Requires="p14">
+  <mc:AlternateContent xmlns:mc="http://schemas.openxmlformats.org/markup-compatibility/2006" xmlns:p14="http://schemas.microsoft.com/office/powerpoint/2010/main">
+    <mc:Choice Requires="p14">
       <p:transition spd="slow" p14:dur="2000"/>
     </mc:Choice>
-    <mc:Fallback>
+    <mc:Fallback xmlns="">
       <p:transition spd="slow"/>
     </mc:Fallback>
   </mc:AlternateContent>
@@ -1938,11 +1943,11 @@
   <p:clrMapOvr>
     <a:masterClrMapping/>
   </p:clrMapOvr>
-  <mc:AlternateContent xmlns:mc="http://schemas.openxmlformats.org/markup-compatibility/2006">
-    <mc:Choice xmlns:p14="http://schemas.microsoft.com/office/powerpoint/2010/main" Requires="p14">
+  <mc:AlternateContent xmlns:mc="http://schemas.openxmlformats.org/markup-compatibility/2006" xmlns:p14="http://schemas.microsoft.com/office/powerpoint/2010/main">
+    <mc:Choice Requires="p14">
       <p:transition spd="slow" p14:dur="2000"/>
     </mc:Choice>
-    <mc:Fallback>
+    <mc:Fallback xmlns="">
       <p:transition spd="slow"/>
     </mc:Fallback>
   </mc:AlternateContent>
@@ -2128,11 +2133,11 @@
   <p:clrMapOvr>
     <a:masterClrMapping/>
   </p:clrMapOvr>
-  <mc:AlternateContent xmlns:mc="http://schemas.openxmlformats.org/markup-compatibility/2006">
-    <mc:Choice xmlns:p14="http://schemas.microsoft.com/office/powerpoint/2010/main" Requires="p14">
+  <mc:AlternateContent xmlns:mc="http://schemas.openxmlformats.org/markup-compatibility/2006" xmlns:p14="http://schemas.microsoft.com/office/powerpoint/2010/main">
+    <mc:Choice Requires="p14">
       <p:transition spd="slow" p14:dur="2000"/>
     </mc:Choice>
-    <mc:Fallback>
+    <mc:Fallback xmlns="">
       <p:transition spd="slow"/>
     </mc:Fallback>
   </mc:AlternateContent>
@@ -2313,11 +2318,11 @@
   <p:clrMapOvr>
     <a:masterClrMapping/>
   </p:clrMapOvr>
-  <mc:AlternateContent xmlns:mc="http://schemas.openxmlformats.org/markup-compatibility/2006">
-    <mc:Choice xmlns:p14="http://schemas.microsoft.com/office/powerpoint/2010/main" Requires="p14">
+  <mc:AlternateContent xmlns:mc="http://schemas.openxmlformats.org/markup-compatibility/2006" xmlns:p14="http://schemas.microsoft.com/office/powerpoint/2010/main">
+    <mc:Choice Requires="p14">
       <p:transition spd="slow" p14:dur="2000"/>
     </mc:Choice>
-    <mc:Fallback>
+    <mc:Fallback xmlns="">
       <p:transition spd="slow"/>
     </mc:Fallback>
   </mc:AlternateContent>
@@ -2503,11 +2508,11 @@
   <p:clrMapOvr>
     <a:masterClrMapping/>
   </p:clrMapOvr>
-  <mc:AlternateContent xmlns:mc="http://schemas.openxmlformats.org/markup-compatibility/2006">
-    <mc:Choice xmlns:p14="http://schemas.microsoft.com/office/powerpoint/2010/main" Requires="p14">
+  <mc:AlternateContent xmlns:mc="http://schemas.openxmlformats.org/markup-compatibility/2006" xmlns:p14="http://schemas.microsoft.com/office/powerpoint/2010/main">
+    <mc:Choice Requires="p14">
       <p:transition spd="slow" p14:dur="2000"/>
     </mc:Choice>
-    <mc:Fallback>
+    <mc:Fallback xmlns="">
       <p:transition spd="slow"/>
     </mc:Fallback>
   </mc:AlternateContent>
@@ -2693,11 +2698,11 @@
   <p:clrMapOvr>
     <a:masterClrMapping/>
   </p:clrMapOvr>
-  <mc:AlternateContent xmlns:mc="http://schemas.openxmlformats.org/markup-compatibility/2006">
-    <mc:Choice xmlns:p14="http://schemas.microsoft.com/office/powerpoint/2010/main" Requires="p14">
+  <mc:AlternateContent xmlns:mc="http://schemas.openxmlformats.org/markup-compatibility/2006" xmlns:p14="http://schemas.microsoft.com/office/powerpoint/2010/main">
+    <mc:Choice Requires="p14">
       <p:transition spd="slow" p14:dur="2000"/>
     </mc:Choice>
-    <mc:Fallback>
+    <mc:Fallback xmlns="">
       <p:transition spd="slow"/>
     </mc:Fallback>
   </mc:AlternateContent>
@@ -2848,11 +2853,11 @@
   <p:clrMapOvr>
     <a:masterClrMapping/>
   </p:clrMapOvr>
-  <mc:AlternateContent xmlns:mc="http://schemas.openxmlformats.org/markup-compatibility/2006">
-    <mc:Choice xmlns:p14="http://schemas.microsoft.com/office/powerpoint/2010/main" Requires="p14">
+  <mc:AlternateContent xmlns:mc="http://schemas.openxmlformats.org/markup-compatibility/2006" xmlns:p14="http://schemas.microsoft.com/office/powerpoint/2010/main">
+    <mc:Choice Requires="p14">
       <p:transition spd="slow" p14:dur="2000"/>
     </mc:Choice>
-    <mc:Fallback>
+    <mc:Fallback xmlns="">
       <p:transition spd="slow"/>
     </mc:Fallback>
   </mc:AlternateContent>
@@ -3134,11 +3139,11 @@
   <p:clrMapOvr>
     <a:masterClrMapping/>
   </p:clrMapOvr>
-  <mc:AlternateContent xmlns:mc="http://schemas.openxmlformats.org/markup-compatibility/2006">
-    <mc:Choice xmlns:p14="http://schemas.microsoft.com/office/powerpoint/2010/main" Requires="p14">
+  <mc:AlternateContent xmlns:mc="http://schemas.openxmlformats.org/markup-compatibility/2006" xmlns:p14="http://schemas.microsoft.com/office/powerpoint/2010/main">
+    <mc:Choice Requires="p14">
       <p:transition spd="slow" p14:dur="2000"/>
     </mc:Choice>
-    <mc:Fallback>
+    <mc:Fallback xmlns="">
       <p:transition spd="slow"/>
     </mc:Fallback>
   </mc:AlternateContent>
@@ -3504,11 +3509,11 @@
   <p:clrMapOvr>
     <a:masterClrMapping/>
   </p:clrMapOvr>
-  <mc:AlternateContent xmlns:mc="http://schemas.openxmlformats.org/markup-compatibility/2006">
-    <mc:Choice xmlns:p14="http://schemas.microsoft.com/office/powerpoint/2010/main" Requires="p14">
+  <mc:AlternateContent xmlns:mc="http://schemas.openxmlformats.org/markup-compatibility/2006" xmlns:p14="http://schemas.microsoft.com/office/powerpoint/2010/main">
+    <mc:Choice Requires="p14">
       <p:transition spd="slow" p14:dur="2000"/>
     </mc:Choice>
-    <mc:Fallback>
+    <mc:Fallback xmlns="">
       <p:transition spd="slow"/>
     </mc:Fallback>
   </mc:AlternateContent>
@@ -3622,11 +3627,11 @@
   <p:clrMapOvr>
     <a:masterClrMapping/>
   </p:clrMapOvr>
-  <mc:AlternateContent xmlns:mc="http://schemas.openxmlformats.org/markup-compatibility/2006">
-    <mc:Choice xmlns:p14="http://schemas.microsoft.com/office/powerpoint/2010/main" Requires="p14">
+  <mc:AlternateContent xmlns:mc="http://schemas.openxmlformats.org/markup-compatibility/2006" xmlns:p14="http://schemas.microsoft.com/office/powerpoint/2010/main">
+    <mc:Choice Requires="p14">
       <p:transition spd="slow" p14:dur="2000"/>
     </mc:Choice>
-    <mc:Fallback>
+    <mc:Fallback xmlns="">
       <p:transition spd="slow"/>
     </mc:Fallback>
   </mc:AlternateContent>
@@ -3711,11 +3716,11 @@
   <p:clrMapOvr>
     <a:masterClrMapping/>
   </p:clrMapOvr>
-  <mc:AlternateContent xmlns:mc="http://schemas.openxmlformats.org/markup-compatibility/2006">
-    <mc:Choice xmlns:p14="http://schemas.microsoft.com/office/powerpoint/2010/main" Requires="p14">
+  <mc:AlternateContent xmlns:mc="http://schemas.openxmlformats.org/markup-compatibility/2006" xmlns:p14="http://schemas.microsoft.com/office/powerpoint/2010/main">
+    <mc:Choice Requires="p14">
       <p:transition spd="slow" p14:dur="2000"/>
     </mc:Choice>
-    <mc:Fallback>
+    <mc:Fallback xmlns="">
       <p:transition spd="slow"/>
     </mc:Fallback>
   </mc:AlternateContent>
@@ -3946,11 +3951,11 @@
   <p:clrMapOvr>
     <a:masterClrMapping/>
   </p:clrMapOvr>
-  <mc:AlternateContent xmlns:mc="http://schemas.openxmlformats.org/markup-compatibility/2006">
-    <mc:Choice xmlns:p14="http://schemas.microsoft.com/office/powerpoint/2010/main" Requires="p14">
+  <mc:AlternateContent xmlns:mc="http://schemas.openxmlformats.org/markup-compatibility/2006" xmlns:p14="http://schemas.microsoft.com/office/powerpoint/2010/main">
+    <mc:Choice Requires="p14">
       <p:transition spd="slow" p14:dur="2000"/>
     </mc:Choice>
-    <mc:Fallback>
+    <mc:Fallback xmlns="">
       <p:transition spd="slow"/>
     </mc:Fallback>
   </mc:AlternateContent>
@@ -4138,11 +4143,11 @@
   <p:clrMapOvr>
     <a:masterClrMapping/>
   </p:clrMapOvr>
-  <mc:AlternateContent xmlns:mc="http://schemas.openxmlformats.org/markup-compatibility/2006">
-    <mc:Choice xmlns:p14="http://schemas.microsoft.com/office/powerpoint/2010/main" Requires="p14">
+  <mc:AlternateContent xmlns:mc="http://schemas.openxmlformats.org/markup-compatibility/2006" xmlns:p14="http://schemas.microsoft.com/office/powerpoint/2010/main">
+    <mc:Choice Requires="p14">
       <p:transition spd="slow" p14:dur="2000"/>
     </mc:Choice>
-    <mc:Fallback>
+    <mc:Fallback xmlns="">
       <p:transition spd="slow"/>
     </mc:Fallback>
   </mc:AlternateContent>
@@ -5060,11 +5065,11 @@
     <p:sldLayoutId id="2147483664" r:id="rId16"/>
     <p:sldLayoutId id="2147483665" r:id="rId17"/>
   </p:sldLayoutIdLst>
-  <mc:AlternateContent xmlns:mc="http://schemas.openxmlformats.org/markup-compatibility/2006">
-    <mc:Choice xmlns:p14="http://schemas.microsoft.com/office/powerpoint/2010/main" Requires="p14">
+  <mc:AlternateContent xmlns:mc="http://schemas.openxmlformats.org/markup-compatibility/2006" xmlns:p14="http://schemas.microsoft.com/office/powerpoint/2010/main">
+    <mc:Choice Requires="p14">
       <p:transition spd="slow" p14:dur="2000"/>
     </mc:Choice>
-    <mc:Fallback>
+    <mc:Fallback xmlns="">
       <p:transition spd="slow"/>
     </mc:Fallback>
   </mc:AlternateContent>
@@ -5518,16 +5523,44 @@
           </a:effectLst>
         </p:spPr>
       </p:pic>
+      <p:sp>
+        <p:nvSpPr>
+          <p:cNvPr id="5" name="Retângulo 4"/>
+          <p:cNvSpPr/>
+          <p:nvPr/>
+        </p:nvSpPr>
+        <p:spPr>
+          <a:xfrm>
+            <a:off x="6304481" y="5474937"/>
+            <a:ext cx="5443863" cy="369332"/>
+          </a:xfrm>
+          <a:prstGeom prst="rect">
+            <a:avLst/>
+          </a:prstGeom>
+        </p:spPr>
+        <p:txBody>
+          <a:bodyPr wrap="none">
+            <a:spAutoFit/>
+          </a:bodyPr>
+          <a:lstStyle/>
+          <a:p>
+            <a:r>
+              <a:rPr lang="pt-BR"/>
+              <a:t>https://github.com/LimaBarbara/Trabalho-Final-POO.git</a:t>
+            </a:r>
+          </a:p>
+        </p:txBody>
+      </p:sp>
     </p:spTree>
   </p:cSld>
   <p:clrMapOvr>
     <a:masterClrMapping/>
   </p:clrMapOvr>
-  <mc:AlternateContent xmlns:mc="http://schemas.openxmlformats.org/markup-compatibility/2006">
-    <mc:Choice xmlns:p14="http://schemas.microsoft.com/office/powerpoint/2010/main" Requires="p14">
+  <mc:AlternateContent xmlns:mc="http://schemas.openxmlformats.org/markup-compatibility/2006" xmlns:p14="http://schemas.microsoft.com/office/powerpoint/2010/main">
+    <mc:Choice Requires="p14">
       <p:transition spd="slow" p14:dur="2000"/>
     </mc:Choice>
-    <mc:Fallback>
+    <mc:Fallback xmlns="">
       <p:transition spd="slow"/>
     </mc:Fallback>
   </mc:AlternateContent>
@@ -5766,11 +5799,11 @@
   <p:clrMapOvr>
     <a:masterClrMapping/>
   </p:clrMapOvr>
-  <mc:AlternateContent xmlns:mc="http://schemas.openxmlformats.org/markup-compatibility/2006">
-    <mc:Choice xmlns:p14="http://schemas.microsoft.com/office/powerpoint/2010/main" Requires="p14">
+  <mc:AlternateContent xmlns:mc="http://schemas.openxmlformats.org/markup-compatibility/2006" xmlns:p14="http://schemas.microsoft.com/office/powerpoint/2010/main">
+    <mc:Choice Requires="p14">
       <p:transition spd="slow" p14:dur="2000"/>
     </mc:Choice>
-    <mc:Fallback>
+    <mc:Fallback xmlns="">
       <p:transition spd="slow"/>
     </mc:Fallback>
   </mc:AlternateContent>
@@ -6001,11 +6034,11 @@
   <p:clrMapOvr>
     <a:masterClrMapping/>
   </p:clrMapOvr>
-  <mc:AlternateContent xmlns:mc="http://schemas.openxmlformats.org/markup-compatibility/2006">
-    <mc:Choice xmlns:p14="http://schemas.microsoft.com/office/powerpoint/2010/main" Requires="p14">
+  <mc:AlternateContent xmlns:mc="http://schemas.openxmlformats.org/markup-compatibility/2006" xmlns:p14="http://schemas.microsoft.com/office/powerpoint/2010/main">
+    <mc:Choice Requires="p14">
       <p:transition spd="slow" p14:dur="2000"/>
     </mc:Choice>
-    <mc:Fallback>
+    <mc:Fallback xmlns="">
       <p:transition spd="slow"/>
     </mc:Fallback>
   </mc:AlternateContent>
@@ -6485,11 +6518,11 @@
   <p:clrMapOvr>
     <a:masterClrMapping/>
   </p:clrMapOvr>
-  <mc:AlternateContent xmlns:mc="http://schemas.openxmlformats.org/markup-compatibility/2006">
-    <mc:Choice xmlns:p14="http://schemas.microsoft.com/office/powerpoint/2010/main" Requires="p14">
+  <mc:AlternateContent xmlns:mc="http://schemas.openxmlformats.org/markup-compatibility/2006" xmlns:p14="http://schemas.microsoft.com/office/powerpoint/2010/main">
+    <mc:Choice Requires="p14">
       <p:transition spd="slow" p14:dur="2000"/>
     </mc:Choice>
-    <mc:Fallback>
+    <mc:Fallback xmlns="">
       <p:transition spd="slow"/>
     </mc:Fallback>
   </mc:AlternateContent>
@@ -6880,11 +6913,11 @@
   <p:clrMapOvr>
     <a:masterClrMapping/>
   </p:clrMapOvr>
-  <mc:AlternateContent xmlns:mc="http://schemas.openxmlformats.org/markup-compatibility/2006">
-    <mc:Choice xmlns:p14="http://schemas.microsoft.com/office/powerpoint/2010/main" Requires="p14">
+  <mc:AlternateContent xmlns:mc="http://schemas.openxmlformats.org/markup-compatibility/2006" xmlns:p14="http://schemas.microsoft.com/office/powerpoint/2010/main">
+    <mc:Choice Requires="p14">
       <p:transition spd="slow" p14:dur="2000"/>
     </mc:Choice>
-    <mc:Fallback>
+    <mc:Fallback xmlns="">
       <p:transition spd="slow"/>
     </mc:Fallback>
   </mc:AlternateContent>
@@ -6978,11 +7011,11 @@
   <p:clrMapOvr>
     <a:masterClrMapping/>
   </p:clrMapOvr>
-  <mc:AlternateContent xmlns:mc="http://schemas.openxmlformats.org/markup-compatibility/2006">
-    <mc:Choice xmlns:p14="http://schemas.microsoft.com/office/powerpoint/2010/main" Requires="p14">
+  <mc:AlternateContent xmlns:mc="http://schemas.openxmlformats.org/markup-compatibility/2006" xmlns:p14="http://schemas.microsoft.com/office/powerpoint/2010/main">
+    <mc:Choice Requires="p14">
       <p:transition spd="slow" p14:dur="2000"/>
     </mc:Choice>
-    <mc:Fallback>
+    <mc:Fallback xmlns="">
       <p:transition spd="slow"/>
     </mc:Fallback>
   </mc:AlternateContent>
@@ -7103,11 +7136,11 @@
   <p:clrMapOvr>
     <a:masterClrMapping/>
   </p:clrMapOvr>
-  <mc:AlternateContent xmlns:mc="http://schemas.openxmlformats.org/markup-compatibility/2006">
-    <mc:Choice xmlns:p14="http://schemas.microsoft.com/office/powerpoint/2010/main" Requires="p14">
+  <mc:AlternateContent xmlns:mc="http://schemas.openxmlformats.org/markup-compatibility/2006" xmlns:p14="http://schemas.microsoft.com/office/powerpoint/2010/main">
+    <mc:Choice Requires="p14">
       <p:transition spd="slow" p14:dur="2000"/>
     </mc:Choice>
-    <mc:Fallback>
+    <mc:Fallback xmlns="">
       <p:transition spd="slow"/>
     </mc:Fallback>
   </mc:AlternateContent>
